--- a/ppt/03-22.pptx
+++ b/ppt/03-22.pptx
@@ -8,6 +8,7 @@
     <p:sldId id="256" r:id="rId2"/>
     <p:sldId id="257" r:id="rId3"/>
     <p:sldId id="258" r:id="rId4"/>
+    <p:sldId id="259" r:id="rId5"/>
   </p:sldIdLst>
   <p:sldSz cx="12192000" cy="6858000"/>
   <p:notesSz cx="6858000" cy="9144000"/>
@@ -3660,6 +3661,363 @@
 </p:sld>
 </file>
 
+<file path=ppt/slides/slide4.xml><?xml version="1.0" encoding="utf-8"?>
+<p:sld xmlns:a="http://schemas.openxmlformats.org/drawingml/2006/main" xmlns:r="http://schemas.openxmlformats.org/officeDocument/2006/relationships" xmlns:p="http://schemas.openxmlformats.org/presentationml/2006/main">
+  <p:cSld>
+    <p:spTree>
+      <p:nvGrpSpPr>
+        <p:cNvPr id="1" name=""/>
+        <p:cNvGrpSpPr/>
+        <p:nvPr/>
+      </p:nvGrpSpPr>
+      <p:grpSpPr>
+        <a:xfrm>
+          <a:off x="0" y="0"/>
+          <a:ext cx="0" cy="0"/>
+          <a:chOff x="0" y="0"/>
+          <a:chExt cx="0" cy="0"/>
+        </a:xfrm>
+      </p:grpSpPr>
+      <p:pic>
+        <p:nvPicPr>
+          <p:cNvPr id="3" name="그림 2"/>
+          <p:cNvPicPr>
+            <a:picLocks noChangeAspect="1"/>
+          </p:cNvPicPr>
+          <p:nvPr/>
+        </p:nvPicPr>
+        <p:blipFill>
+          <a:blip r:embed="rId2"/>
+          <a:stretch>
+            <a:fillRect/>
+          </a:stretch>
+        </p:blipFill>
+        <p:spPr>
+          <a:xfrm>
+            <a:off x="4939485" y="1574791"/>
+            <a:ext cx="4676705" cy="2237024"/>
+          </a:xfrm>
+          <a:prstGeom prst="rect">
+            <a:avLst/>
+          </a:prstGeom>
+        </p:spPr>
+      </p:pic>
+      <p:cxnSp>
+        <p:nvCxnSpPr>
+          <p:cNvPr id="5" name="직선 화살표 연결선 4"/>
+          <p:cNvCxnSpPr/>
+          <p:nvPr/>
+        </p:nvCxnSpPr>
+        <p:spPr>
+          <a:xfrm>
+            <a:off x="5301361" y="1296648"/>
+            <a:ext cx="0" cy="689548"/>
+          </a:xfrm>
+          <a:prstGeom prst="straightConnector1">
+            <a:avLst/>
+          </a:prstGeom>
+          <a:ln>
+            <a:tailEnd type="triangle"/>
+          </a:ln>
+        </p:spPr>
+        <p:style>
+          <a:lnRef idx="1">
+            <a:schemeClr val="accent1"/>
+          </a:lnRef>
+          <a:fillRef idx="0">
+            <a:schemeClr val="accent1"/>
+          </a:fillRef>
+          <a:effectRef idx="0">
+            <a:schemeClr val="accent1"/>
+          </a:effectRef>
+          <a:fontRef idx="minor">
+            <a:schemeClr val="tx1"/>
+          </a:fontRef>
+        </p:style>
+      </p:cxnSp>
+      <p:sp>
+        <p:nvSpPr>
+          <p:cNvPr id="6" name="TextBox 5"/>
+          <p:cNvSpPr txBox="1"/>
+          <p:nvPr/>
+        </p:nvSpPr>
+        <p:spPr>
+          <a:xfrm>
+            <a:off x="4849955" y="974054"/>
+            <a:ext cx="902811" cy="307777"/>
+          </a:xfrm>
+          <a:prstGeom prst="rect">
+            <a:avLst/>
+          </a:prstGeom>
+          <a:noFill/>
+        </p:spPr>
+        <p:txBody>
+          <a:bodyPr wrap="none" rtlCol="0">
+            <a:spAutoFit/>
+          </a:bodyPr>
+          <a:lstStyle/>
+          <a:p>
+            <a:r>
+              <a:rPr lang="ko-KR" altLang="en-US" sz="1400" dirty="0" err="1" smtClean="0"/>
+              <a:t>간격줄임</a:t>
+            </a:r>
+            <a:endParaRPr lang="ko-KR" altLang="en-US" sz="1400" dirty="0"/>
+          </a:p>
+        </p:txBody>
+      </p:sp>
+      <p:cxnSp>
+        <p:nvCxnSpPr>
+          <p:cNvPr id="8" name="직선 화살표 연결선 7"/>
+          <p:cNvCxnSpPr/>
+          <p:nvPr/>
+        </p:nvCxnSpPr>
+        <p:spPr>
+          <a:xfrm>
+            <a:off x="6573187" y="1281831"/>
+            <a:ext cx="0" cy="704365"/>
+          </a:xfrm>
+          <a:prstGeom prst="straightConnector1">
+            <a:avLst/>
+          </a:prstGeom>
+          <a:ln>
+            <a:tailEnd type="triangle"/>
+          </a:ln>
+        </p:spPr>
+        <p:style>
+          <a:lnRef idx="1">
+            <a:schemeClr val="accent1"/>
+          </a:lnRef>
+          <a:fillRef idx="0">
+            <a:schemeClr val="accent1"/>
+          </a:fillRef>
+          <a:effectRef idx="0">
+            <a:schemeClr val="accent1"/>
+          </a:effectRef>
+          <a:fontRef idx="minor">
+            <a:schemeClr val="tx1"/>
+          </a:fontRef>
+        </p:style>
+      </p:cxnSp>
+      <p:sp>
+        <p:nvSpPr>
+          <p:cNvPr id="17" name="TextBox 16"/>
+          <p:cNvSpPr txBox="1"/>
+          <p:nvPr/>
+        </p:nvSpPr>
+        <p:spPr>
+          <a:xfrm>
+            <a:off x="6184080" y="974054"/>
+            <a:ext cx="902811" cy="307777"/>
+          </a:xfrm>
+          <a:prstGeom prst="rect">
+            <a:avLst/>
+          </a:prstGeom>
+          <a:noFill/>
+        </p:spPr>
+        <p:txBody>
+          <a:bodyPr wrap="none" rtlCol="0">
+            <a:spAutoFit/>
+          </a:bodyPr>
+          <a:lstStyle/>
+          <a:p>
+            <a:r>
+              <a:rPr lang="ko-KR" altLang="en-US" sz="1400" dirty="0" err="1" smtClean="0"/>
+              <a:t>간격조정</a:t>
+            </a:r>
+            <a:endParaRPr lang="ko-KR" altLang="en-US" sz="1400" dirty="0"/>
+          </a:p>
+        </p:txBody>
+      </p:sp>
+      <p:cxnSp>
+        <p:nvCxnSpPr>
+          <p:cNvPr id="13" name="직선 화살표 연결선 12"/>
+          <p:cNvCxnSpPr/>
+          <p:nvPr/>
+        </p:nvCxnSpPr>
+        <p:spPr>
+          <a:xfrm flipV="1">
+            <a:off x="5752766" y="3627619"/>
+            <a:ext cx="0" cy="846944"/>
+          </a:xfrm>
+          <a:prstGeom prst="straightConnector1">
+            <a:avLst/>
+          </a:prstGeom>
+          <a:ln>
+            <a:tailEnd type="triangle"/>
+          </a:ln>
+        </p:spPr>
+        <p:style>
+          <a:lnRef idx="1">
+            <a:schemeClr val="accent1"/>
+          </a:lnRef>
+          <a:fillRef idx="0">
+            <a:schemeClr val="accent1"/>
+          </a:fillRef>
+          <a:effectRef idx="0">
+            <a:schemeClr val="accent1"/>
+          </a:effectRef>
+          <a:fontRef idx="minor">
+            <a:schemeClr val="tx1"/>
+          </a:fontRef>
+        </p:style>
+      </p:cxnSp>
+      <p:sp>
+        <p:nvSpPr>
+          <p:cNvPr id="18" name="TextBox 17"/>
+          <p:cNvSpPr txBox="1"/>
+          <p:nvPr/>
+        </p:nvSpPr>
+        <p:spPr>
+          <a:xfrm>
+            <a:off x="5301360" y="4508223"/>
+            <a:ext cx="902811" cy="307777"/>
+          </a:xfrm>
+          <a:prstGeom prst="rect">
+            <a:avLst/>
+          </a:prstGeom>
+          <a:noFill/>
+        </p:spPr>
+        <p:txBody>
+          <a:bodyPr wrap="none" rtlCol="0">
+            <a:spAutoFit/>
+          </a:bodyPr>
+          <a:lstStyle/>
+          <a:p>
+            <a:r>
+              <a:rPr lang="ko-KR" altLang="en-US" sz="1400" dirty="0" err="1" smtClean="0"/>
+              <a:t>간격조정</a:t>
+            </a:r>
+            <a:endParaRPr lang="ko-KR" altLang="en-US" sz="1400" dirty="0"/>
+          </a:p>
+        </p:txBody>
+      </p:sp>
+      <p:cxnSp>
+        <p:nvCxnSpPr>
+          <p:cNvPr id="20" name="직선 화살표 연결선 19"/>
+          <p:cNvCxnSpPr>
+            <a:stCxn id="21" idx="3"/>
+          </p:cNvCxnSpPr>
+          <p:nvPr/>
+        </p:nvCxnSpPr>
+        <p:spPr>
+          <a:xfrm flipV="1">
+            <a:off x="3823717" y="2428211"/>
+            <a:ext cx="1550257" cy="526702"/>
+          </a:xfrm>
+          <a:prstGeom prst="straightConnector1">
+            <a:avLst/>
+          </a:prstGeom>
+          <a:ln>
+            <a:tailEnd type="triangle"/>
+          </a:ln>
+        </p:spPr>
+        <p:style>
+          <a:lnRef idx="1">
+            <a:schemeClr val="accent1"/>
+          </a:lnRef>
+          <a:fillRef idx="0">
+            <a:schemeClr val="accent1"/>
+          </a:fillRef>
+          <a:effectRef idx="0">
+            <a:schemeClr val="accent1"/>
+          </a:effectRef>
+          <a:fontRef idx="minor">
+            <a:schemeClr val="tx1"/>
+          </a:fontRef>
+        </p:style>
+      </p:cxnSp>
+      <p:sp>
+        <p:nvSpPr>
+          <p:cNvPr id="21" name="TextBox 20"/>
+          <p:cNvSpPr txBox="1"/>
+          <p:nvPr/>
+        </p:nvSpPr>
+        <p:spPr>
+          <a:xfrm>
+            <a:off x="1781170" y="2693303"/>
+            <a:ext cx="2042547" cy="523220"/>
+          </a:xfrm>
+          <a:prstGeom prst="rect">
+            <a:avLst/>
+          </a:prstGeom>
+          <a:noFill/>
+        </p:spPr>
+        <p:txBody>
+          <a:bodyPr wrap="none" rtlCol="0">
+            <a:spAutoFit/>
+          </a:bodyPr>
+          <a:lstStyle/>
+          <a:p>
+            <a:r>
+              <a:rPr lang="ko-KR" altLang="en-US" sz="1400" dirty="0" smtClean="0"/>
+              <a:t>여러방식으로 </a:t>
+            </a:r>
+            <a:r>
+              <a:rPr lang="ko-KR" altLang="en-US" sz="1400" dirty="0" err="1" smtClean="0"/>
+              <a:t>간격조정</a:t>
+            </a:r>
+            <a:endParaRPr lang="en-US" altLang="ko-KR" sz="1400" dirty="0" smtClean="0"/>
+          </a:p>
+          <a:p>
+            <a:r>
+              <a:rPr lang="ko-KR" altLang="en-US" sz="1400" dirty="0" smtClean="0"/>
+              <a:t>을 해봤는데 </a:t>
+            </a:r>
+            <a:r>
+              <a:rPr lang="ko-KR" altLang="en-US" sz="1400" dirty="0" err="1" smtClean="0"/>
+              <a:t>짤리네요</a:t>
+            </a:r>
+            <a:r>
+              <a:rPr lang="en-US" altLang="ko-KR" sz="1400" dirty="0" smtClean="0"/>
+              <a:t>.</a:t>
+            </a:r>
+            <a:endParaRPr lang="ko-KR" altLang="en-US" sz="1400" dirty="0"/>
+          </a:p>
+        </p:txBody>
+      </p:sp>
+      <p:sp>
+        <p:nvSpPr>
+          <p:cNvPr id="24" name="TextBox 23"/>
+          <p:cNvSpPr txBox="1"/>
+          <p:nvPr/>
+        </p:nvSpPr>
+        <p:spPr>
+          <a:xfrm>
+            <a:off x="412230" y="254832"/>
+            <a:ext cx="1733167" cy="369332"/>
+          </a:xfrm>
+          <a:prstGeom prst="rect">
+            <a:avLst/>
+          </a:prstGeom>
+          <a:noFill/>
+        </p:spPr>
+        <p:txBody>
+          <a:bodyPr wrap="none" rtlCol="0">
+            <a:spAutoFit/>
+          </a:bodyPr>
+          <a:lstStyle/>
+          <a:p>
+            <a:r>
+              <a:rPr lang="ko-KR" altLang="en-US" dirty="0" smtClean="0"/>
+              <a:t>생활 정보 공통</a:t>
+            </a:r>
+            <a:endParaRPr lang="ko-KR" altLang="en-US" dirty="0"/>
+          </a:p>
+        </p:txBody>
+      </p:sp>
+    </p:spTree>
+    <p:extLst>
+      <p:ext uri="{BB962C8B-B14F-4D97-AF65-F5344CB8AC3E}">
+        <p14:creationId xmlns:p14="http://schemas.microsoft.com/office/powerpoint/2010/main" val="2240096513"/>
+      </p:ext>
+    </p:extLst>
+  </p:cSld>
+  <p:clrMapOvr>
+    <a:masterClrMapping/>
+  </p:clrMapOvr>
+</p:sld>
+</file>
+
 <file path=ppt/theme/theme1.xml><?xml version="1.0" encoding="utf-8"?>
 <a:theme xmlns:a="http://schemas.openxmlformats.org/drawingml/2006/main" name="Office 테마">
   <a:themeElements>
